--- a/bot/ai_generator/presentation_templates/Organic.pptx
+++ b/bot/ai_generator/presentation_templates/Organic.pptx
@@ -252,7 +252,7 @@
           <a:p>
             <a:fld id="{FD913024-4032-4B4F-8680-09D5E08EDB6E}" type="datetimeFigureOut">
               <a:rPr lang="en-US" smtClean="0"/>
-              <a:t>4/11/2023</a:t>
+              <a:t>4/12/2023</a:t>
             </a:fld>
             <a:endParaRPr lang="en-US" dirty="0"/>
           </a:p>
@@ -429,7 +429,7 @@
           <a:p>
             <a:fld id="{F2AE225E-43E0-7047-8ADB-DD9EBB41B4D0}" type="datetimeFigureOut">
               <a:rPr lang="en-US" noProof="0" smtClean="0"/>
-              <a:t>4/11/2023</a:t>
+              <a:t>4/12/2023</a:t>
             </a:fld>
             <a:endParaRPr lang="en-US" noProof="0" dirty="0"/>
           </a:p>
@@ -38940,7 +38940,7 @@
         </p:nvSpPr>
         <p:spPr>
           <a:xfrm>
-            <a:off x="576071" y="704088"/>
+            <a:off x="576071" y="690101"/>
             <a:ext cx="6502620" cy="676656"/>
           </a:xfrm>
         </p:spPr>
@@ -38977,7 +38977,7 @@
         </p:nvSpPr>
         <p:spPr>
           <a:xfrm>
-            <a:off x="576072" y="1947671"/>
+            <a:off x="576071" y="1693658"/>
             <a:ext cx="4572000" cy="4070729"/>
           </a:xfrm>
         </p:spPr>
@@ -38994,7 +38994,7 @@
                 <a:spcPts val="0"/>
               </a:spcBef>
               <a:buNone/>
-              <a:defRPr sz="1800"/>
+              <a:defRPr sz="2400"/>
             </a:lvl1pPr>
             <a:lvl2pPr marL="457200" indent="0">
               <a:buNone/>
@@ -39032,7 +39032,7 @@
           <a:p>
             <a:pPr lvl="0"/>
             <a:r>
-              <a:rPr lang="en-US"/>
+              <a:rPr lang="en-US" dirty="0"/>
               <a:t>Click to edit Master text styles</a:t>
             </a:r>
           </a:p>

--- a/bot/ai_generator/presentation_templates/Organic.pptx
+++ b/bot/ai_generator/presentation_templates/Organic.pptx
@@ -252,7 +252,7 @@
           <a:p>
             <a:fld id="{FD913024-4032-4B4F-8680-09D5E08EDB6E}" type="datetimeFigureOut">
               <a:rPr lang="en-US" smtClean="0"/>
-              <a:t>4/12/2023</a:t>
+              <a:t>5/1/2023</a:t>
             </a:fld>
             <a:endParaRPr lang="en-US" dirty="0"/>
           </a:p>
@@ -429,7 +429,7 @@
           <a:p>
             <a:fld id="{F2AE225E-43E0-7047-8ADB-DD9EBB41B4D0}" type="datetimeFigureOut">
               <a:rPr lang="en-US" noProof="0" smtClean="0"/>
-              <a:t>4/12/2023</a:t>
+              <a:t>5/1/2023</a:t>
             </a:fld>
             <a:endParaRPr lang="en-US" noProof="0" dirty="0"/>
           </a:p>
@@ -1382,7 +1382,7 @@
             <a:spLocks noGrp="1"/>
           </p:cNvSpPr>
           <p:nvPr>
-            <p:ph type="ctrTitle" hasCustomPrompt="1"/>
+            <p:ph type="ctrTitle"/>
           </p:nvPr>
         </p:nvSpPr>
         <p:spPr>
@@ -1399,10 +1399,7 @@
             </a:lvl1pPr>
           </a:lstStyle>
           <a:p>
-            <a:r>
-              <a:rPr lang="en-US" dirty="0"/>
-              <a:t>click to edit master title style</a:t>
-            </a:r>
+            <a:endParaRPr lang="en-US" dirty="0"/>
           </a:p>
         </p:txBody>
       </p:sp>
@@ -1473,10 +1470,6 @@
             </a:lvl9pPr>
           </a:lstStyle>
           <a:p>
-            <a:r>
-              <a:rPr lang="en-US"/>
-              <a:t>Click to edit Master subtitle style</a:t>
-            </a:r>
             <a:endParaRPr lang="en-US" dirty="0"/>
           </a:p>
         </p:txBody>
@@ -4207,38 +4200,6 @@
           <a:lstStyle/>
           <a:p>
             <a:pPr lvl="0"/>
-            <a:r>
-              <a:rPr lang="en-US"/>
-              <a:t>Click to edit Master text styles</a:t>
-            </a:r>
-          </a:p>
-          <a:p>
-            <a:pPr lvl="1"/>
-            <a:r>
-              <a:rPr lang="en-US"/>
-              <a:t>Second level</a:t>
-            </a:r>
-          </a:p>
-          <a:p>
-            <a:pPr lvl="2"/>
-            <a:r>
-              <a:rPr lang="en-US"/>
-              <a:t>Third level</a:t>
-            </a:r>
-          </a:p>
-          <a:p>
-            <a:pPr lvl="3"/>
-            <a:r>
-              <a:rPr lang="en-US"/>
-              <a:t>Fourth level</a:t>
-            </a:r>
-          </a:p>
-          <a:p>
-            <a:pPr lvl="4"/>
-            <a:r>
-              <a:rPr lang="en-US"/>
-              <a:t>Fifth level</a:t>
-            </a:r>
             <a:endParaRPr lang="en-US" dirty="0"/>
           </a:p>
         </p:txBody>
@@ -13818,6 +13779,668 @@
 
 <file path=ppt/slideLayouts/slideLayout14.xml><?xml version="1.0" encoding="utf-8"?>
 <p:sldLayout xmlns:a="http://schemas.openxmlformats.org/drawingml/2006/main" xmlns:r="http://schemas.openxmlformats.org/officeDocument/2006/relationships" xmlns:p="http://schemas.openxmlformats.org/presentationml/2006/main" preserve="1" userDrawn="1">
+  <p:cSld name="Picture with Caption">
+    <p:bg>
+      <p:bgPr>
+        <a:solidFill>
+          <a:schemeClr val="bg2"/>
+        </a:solidFill>
+        <a:effectLst/>
+      </p:bgPr>
+    </p:bg>
+    <p:spTree>
+      <p:nvGrpSpPr>
+        <p:cNvPr id="1" name=""/>
+        <p:cNvGrpSpPr/>
+        <p:nvPr/>
+      </p:nvGrpSpPr>
+      <p:grpSpPr>
+        <a:xfrm>
+          <a:off x="0" y="0"/>
+          <a:ext cx="0" cy="0"/>
+          <a:chOff x="0" y="0"/>
+          <a:chExt cx="0" cy="0"/>
+        </a:xfrm>
+      </p:grpSpPr>
+      <p:sp>
+        <p:nvSpPr>
+          <p:cNvPr id="2" name="Title 1">
+            <a:extLst>
+              <a:ext uri="{FF2B5EF4-FFF2-40B4-BE49-F238E27FC236}">
+                <a16:creationId xmlns:a16="http://schemas.microsoft.com/office/drawing/2014/main" id="{0165A019-E4E4-1209-09B0-DB16867B19EA}"/>
+              </a:ext>
+            </a:extLst>
+          </p:cNvPr>
+          <p:cNvSpPr>
+            <a:spLocks noGrp="1"/>
+          </p:cNvSpPr>
+          <p:nvPr>
+            <p:ph type="title"/>
+          </p:nvPr>
+        </p:nvSpPr>
+        <p:spPr>
+          <a:xfrm>
+            <a:off x="576071" y="690101"/>
+            <a:ext cx="6502620" cy="676656"/>
+          </a:xfrm>
+        </p:spPr>
+        <p:txBody>
+          <a:bodyPr anchor="b"/>
+          <a:lstStyle>
+            <a:lvl1pPr>
+              <a:defRPr sz="4800"/>
+            </a:lvl1pPr>
+          </a:lstStyle>
+          <a:p>
+            <a:endParaRPr lang="en-US" dirty="0"/>
+          </a:p>
+        </p:txBody>
+      </p:sp>
+      <p:sp>
+        <p:nvSpPr>
+          <p:cNvPr id="4" name="Text Placeholder 3">
+            <a:extLst>
+              <a:ext uri="{FF2B5EF4-FFF2-40B4-BE49-F238E27FC236}">
+                <a16:creationId xmlns:a16="http://schemas.microsoft.com/office/drawing/2014/main" id="{EE7A4080-E621-B208-20C7-8547733A6966}"/>
+              </a:ext>
+            </a:extLst>
+          </p:cNvPr>
+          <p:cNvSpPr>
+            <a:spLocks noGrp="1"/>
+          </p:cNvSpPr>
+          <p:nvPr>
+            <p:ph type="body" sz="half" idx="2"/>
+          </p:nvPr>
+        </p:nvSpPr>
+        <p:spPr>
+          <a:xfrm>
+            <a:off x="576071" y="1693658"/>
+            <a:ext cx="4572000" cy="4070729"/>
+          </a:xfrm>
+        </p:spPr>
+        <p:txBody>
+          <a:bodyPr>
+            <a:normAutofit/>
+          </a:bodyPr>
+          <a:lstStyle>
+            <a:lvl1pPr marL="0" indent="0">
+              <a:lnSpc>
+                <a:spcPct val="100000"/>
+              </a:lnSpc>
+              <a:spcBef>
+                <a:spcPts val="0"/>
+              </a:spcBef>
+              <a:buNone/>
+              <a:defRPr sz="2400"/>
+            </a:lvl1pPr>
+            <a:lvl2pPr marL="457200" indent="0">
+              <a:buNone/>
+              <a:defRPr sz="1400"/>
+            </a:lvl2pPr>
+            <a:lvl3pPr marL="914400" indent="0">
+              <a:buNone/>
+              <a:defRPr sz="1200"/>
+            </a:lvl3pPr>
+            <a:lvl4pPr marL="1371600" indent="0">
+              <a:buNone/>
+              <a:defRPr sz="1000"/>
+            </a:lvl4pPr>
+            <a:lvl5pPr marL="1828800" indent="0">
+              <a:buNone/>
+              <a:defRPr sz="1000"/>
+            </a:lvl5pPr>
+            <a:lvl6pPr marL="2286000" indent="0">
+              <a:buNone/>
+              <a:defRPr sz="1000"/>
+            </a:lvl6pPr>
+            <a:lvl7pPr marL="2743200" indent="0">
+              <a:buNone/>
+              <a:defRPr sz="1000"/>
+            </a:lvl7pPr>
+            <a:lvl8pPr marL="3200400" indent="0">
+              <a:buNone/>
+              <a:defRPr sz="1000"/>
+            </a:lvl8pPr>
+            <a:lvl9pPr marL="3657600" indent="0">
+              <a:buNone/>
+              <a:defRPr sz="1000"/>
+            </a:lvl9pPr>
+          </a:lstStyle>
+          <a:p>
+            <a:pPr lvl="0"/>
+            <a:endParaRPr lang="en-US" dirty="0"/>
+          </a:p>
+        </p:txBody>
+      </p:sp>
+      <p:pic>
+        <p:nvPicPr>
+          <p:cNvPr id="9" name="Picture 8" descr="Shape, circle&#10;&#10;Description automatically generated">
+            <a:extLst>
+              <a:ext uri="{FF2B5EF4-FFF2-40B4-BE49-F238E27FC236}">
+                <a16:creationId xmlns:a16="http://schemas.microsoft.com/office/drawing/2014/main" id="{B5ED90D1-D640-D115-6711-35DE812FC014}"/>
+              </a:ext>
+            </a:extLst>
+          </p:cNvPr>
+          <p:cNvPicPr>
+            <a:picLocks noChangeAspect="1"/>
+          </p:cNvPicPr>
+          <p:nvPr userDrawn="1"/>
+        </p:nvPicPr>
+        <p:blipFill rotWithShape="1">
+          <a:blip r:embed="rId2">
+            <a:alphaModFix/>
+          </a:blip>
+          <a:srcRect r="30186" b="9728"/>
+          <a:stretch/>
+        </p:blipFill>
+        <p:spPr>
+          <a:xfrm>
+            <a:off x="6768197" y="1316481"/>
+            <a:ext cx="4727117" cy="4998132"/>
+          </a:xfrm>
+          <a:prstGeom prst="rect">
+            <a:avLst/>
+          </a:prstGeom>
+        </p:spPr>
+      </p:pic>
+      <p:sp>
+        <p:nvSpPr>
+          <p:cNvPr id="18" name="Freeform: Shape 17">
+            <a:extLst>
+              <a:ext uri="{FF2B5EF4-FFF2-40B4-BE49-F238E27FC236}">
+                <a16:creationId xmlns:a16="http://schemas.microsoft.com/office/drawing/2014/main" id="{F8D9EAE4-01F5-6C99-C91E-BF0FD0CD1CEF}"/>
+              </a:ext>
+            </a:extLst>
+          </p:cNvPr>
+          <p:cNvSpPr/>
+          <p:nvPr userDrawn="1"/>
+        </p:nvSpPr>
+        <p:spPr>
+          <a:xfrm>
+            <a:off x="7078692" y="1"/>
+            <a:ext cx="5113309" cy="6162929"/>
+          </a:xfrm>
+          <a:custGeom>
+            <a:avLst/>
+            <a:gdLst>
+              <a:gd name="connsiteX0" fmla="*/ 81117 w 5113309"/>
+              <a:gd name="connsiteY0" fmla="*/ 0 h 6162929"/>
+              <a:gd name="connsiteX1" fmla="*/ 3634645 w 5113309"/>
+              <a:gd name="connsiteY1" fmla="*/ 0 h 6162929"/>
+              <a:gd name="connsiteX2" fmla="*/ 3705129 w 5113309"/>
+              <a:gd name="connsiteY2" fmla="*/ 216937 h 6162929"/>
+              <a:gd name="connsiteX3" fmla="*/ 3956833 w 5113309"/>
+              <a:gd name="connsiteY3" fmla="*/ 694220 h 6162929"/>
+              <a:gd name="connsiteX4" fmla="*/ 4645418 w 5113309"/>
+              <a:gd name="connsiteY4" fmla="*/ 1338790 h 6162929"/>
+              <a:gd name="connsiteX5" fmla="*/ 5031903 w 5113309"/>
+              <a:gd name="connsiteY5" fmla="*/ 1574625 h 6162929"/>
+              <a:gd name="connsiteX6" fmla="*/ 5113309 w 5113309"/>
+              <a:gd name="connsiteY6" fmla="*/ 1618978 h 6162929"/>
+              <a:gd name="connsiteX7" fmla="*/ 5113309 w 5113309"/>
+              <a:gd name="connsiteY7" fmla="*/ 6102719 h 6162929"/>
+              <a:gd name="connsiteX8" fmla="*/ 5056297 w 5113309"/>
+              <a:gd name="connsiteY8" fmla="*/ 6116431 h 6162929"/>
+              <a:gd name="connsiteX9" fmla="*/ 4521806 w 5113309"/>
+              <a:gd name="connsiteY9" fmla="*/ 6162795 h 6162929"/>
+              <a:gd name="connsiteX10" fmla="*/ 3411736 w 5113309"/>
+              <a:gd name="connsiteY10" fmla="*/ 5966394 h 6162929"/>
+              <a:gd name="connsiteX11" fmla="*/ 2974881 w 5113309"/>
+              <a:gd name="connsiteY11" fmla="*/ 5797150 h 6162929"/>
+              <a:gd name="connsiteX12" fmla="*/ 1160053 w 5113309"/>
+              <a:gd name="connsiteY12" fmla="*/ 4395025 h 6162929"/>
+              <a:gd name="connsiteX13" fmla="*/ 186404 w 5113309"/>
+              <a:gd name="connsiteY13" fmla="*/ 2488624 h 6162929"/>
+              <a:gd name="connsiteX14" fmla="*/ 35878 w 5113309"/>
+              <a:gd name="connsiteY14" fmla="*/ 360546 h 6162929"/>
+              <a:gd name="connsiteX15" fmla="*/ 77715 w 5113309"/>
+              <a:gd name="connsiteY15" fmla="*/ 19675 h 6162929"/>
+            </a:gdLst>
+            <a:ahLst/>
+            <a:cxnLst>
+              <a:cxn ang="0">
+                <a:pos x="connsiteX0" y="connsiteY0"/>
+              </a:cxn>
+              <a:cxn ang="0">
+                <a:pos x="connsiteX1" y="connsiteY1"/>
+              </a:cxn>
+              <a:cxn ang="0">
+                <a:pos x="connsiteX2" y="connsiteY2"/>
+              </a:cxn>
+              <a:cxn ang="0">
+                <a:pos x="connsiteX3" y="connsiteY3"/>
+              </a:cxn>
+              <a:cxn ang="0">
+                <a:pos x="connsiteX4" y="connsiteY4"/>
+              </a:cxn>
+              <a:cxn ang="0">
+                <a:pos x="connsiteX5" y="connsiteY5"/>
+              </a:cxn>
+              <a:cxn ang="0">
+                <a:pos x="connsiteX6" y="connsiteY6"/>
+              </a:cxn>
+              <a:cxn ang="0">
+                <a:pos x="connsiteX7" y="connsiteY7"/>
+              </a:cxn>
+              <a:cxn ang="0">
+                <a:pos x="connsiteX8" y="connsiteY8"/>
+              </a:cxn>
+              <a:cxn ang="0">
+                <a:pos x="connsiteX9" y="connsiteY9"/>
+              </a:cxn>
+              <a:cxn ang="0">
+                <a:pos x="connsiteX10" y="connsiteY10"/>
+              </a:cxn>
+              <a:cxn ang="0">
+                <a:pos x="connsiteX11" y="connsiteY11"/>
+              </a:cxn>
+              <a:cxn ang="0">
+                <a:pos x="connsiteX12" y="connsiteY12"/>
+              </a:cxn>
+              <a:cxn ang="0">
+                <a:pos x="connsiteX13" y="connsiteY13"/>
+              </a:cxn>
+              <a:cxn ang="0">
+                <a:pos x="connsiteX14" y="connsiteY14"/>
+              </a:cxn>
+              <a:cxn ang="0">
+                <a:pos x="connsiteX15" y="connsiteY15"/>
+              </a:cxn>
+            </a:cxnLst>
+            <a:rect l="l" t="t" r="r" b="b"/>
+            <a:pathLst>
+              <a:path w="5113309" h="6162929">
+                <a:moveTo>
+                  <a:pt x="81117" y="0"/>
+                </a:moveTo>
+                <a:lnTo>
+                  <a:pt x="3634645" y="0"/>
+                </a:lnTo>
+                <a:lnTo>
+                  <a:pt x="3705129" y="216937"/>
+                </a:lnTo>
+                <a:cubicBezTo>
+                  <a:pt x="3768027" y="381054"/>
+                  <a:pt x="3849780" y="540685"/>
+                  <a:pt x="3956833" y="694220"/>
+                </a:cubicBezTo>
+                <a:cubicBezTo>
+                  <a:pt x="4136988" y="952807"/>
+                  <a:pt x="4374398" y="1160535"/>
+                  <a:pt x="4645418" y="1338790"/>
+                </a:cubicBezTo>
+                <a:cubicBezTo>
+                  <a:pt x="4796746" y="1438318"/>
+                  <a:pt x="4920829" y="1512316"/>
+                  <a:pt x="5031903" y="1574625"/>
+                </a:cubicBezTo>
+                <a:lnTo>
+                  <a:pt x="5113309" y="1618978"/>
+                </a:lnTo>
+                <a:lnTo>
+                  <a:pt x="5113309" y="6102719"/>
+                </a:lnTo>
+                <a:lnTo>
+                  <a:pt x="5056297" y="6116431"/>
+                </a:lnTo>
+                <a:cubicBezTo>
+                  <a:pt x="4886403" y="6150062"/>
+                  <a:pt x="4707722" y="6164497"/>
+                  <a:pt x="4521806" y="6162795"/>
+                </a:cubicBezTo>
+                <a:cubicBezTo>
+                  <a:pt x="4146032" y="6159370"/>
+                  <a:pt x="3776369" y="6088419"/>
+                  <a:pt x="3411736" y="5966394"/>
+                </a:cubicBezTo>
+                <a:cubicBezTo>
+                  <a:pt x="3263463" y="5916738"/>
+                  <a:pt x="3117320" y="5862607"/>
+                  <a:pt x="2974881" y="5797150"/>
+                </a:cubicBezTo>
+                <a:cubicBezTo>
+                  <a:pt x="2249814" y="5463847"/>
+                  <a:pt x="1648791" y="4992377"/>
+                  <a:pt x="1160053" y="4395025"/>
+                </a:cubicBezTo>
+                <a:cubicBezTo>
+                  <a:pt x="682889" y="3811744"/>
+                  <a:pt x="369553" y="3172420"/>
+                  <a:pt x="186404" y="2488624"/>
+                </a:cubicBezTo>
+                <a:cubicBezTo>
+                  <a:pt x="-4956" y="1773998"/>
+                  <a:pt x="-36839" y="1065081"/>
+                  <a:pt x="35878" y="360546"/>
+                </a:cubicBezTo>
+                <a:cubicBezTo>
+                  <a:pt x="47653" y="246483"/>
+                  <a:pt x="60608" y="132589"/>
+                  <a:pt x="77715" y="19675"/>
+                </a:cubicBezTo>
+                <a:close/>
+              </a:path>
+            </a:pathLst>
+          </a:custGeom>
+          <a:solidFill>
+            <a:schemeClr val="accent4">
+              <a:alpha val="52000"/>
+            </a:schemeClr>
+          </a:solidFill>
+          <a:ln w="2245" cap="flat">
+            <a:noFill/>
+            <a:prstDash val="solid"/>
+            <a:miter/>
+          </a:ln>
+        </p:spPr>
+        <p:txBody>
+          <a:bodyPr rot="0" spcFirstLastPara="0" vertOverflow="overflow" horzOverflow="overflow" vert="horz" wrap="square" lIns="91440" tIns="45720" rIns="91440" bIns="45720" numCol="1" spcCol="0" rtlCol="0" fromWordArt="0" anchor="ctr" anchorCtr="0" forceAA="0" compatLnSpc="1">
+            <a:prstTxWarp prst="textNoShape">
+              <a:avLst/>
+            </a:prstTxWarp>
+            <a:noAutofit/>
+          </a:bodyPr>
+          <a:lstStyle/>
+          <a:p>
+            <a:pPr lvl="0"/>
+            <a:endParaRPr lang="en-US" dirty="0">
+              <a:solidFill>
+                <a:schemeClr val="tx1"/>
+              </a:solidFill>
+            </a:endParaRPr>
+          </a:p>
+        </p:txBody>
+      </p:sp>
+      <p:sp>
+        <p:nvSpPr>
+          <p:cNvPr id="21" name="Picture Placeholder 20">
+            <a:extLst>
+              <a:ext uri="{FF2B5EF4-FFF2-40B4-BE49-F238E27FC236}">
+                <a16:creationId xmlns:a16="http://schemas.microsoft.com/office/drawing/2014/main" id="{D2E95AC0-BA60-4FFD-E9E7-F2F12ACF68D0}"/>
+              </a:ext>
+            </a:extLst>
+          </p:cNvPr>
+          <p:cNvSpPr>
+            <a:spLocks noGrp="1"/>
+          </p:cNvSpPr>
+          <p:nvPr>
+            <p:ph type="pic" idx="1"/>
+          </p:nvPr>
+        </p:nvSpPr>
+        <p:spPr>
+          <a:xfrm>
+            <a:off x="7815470" y="0"/>
+            <a:ext cx="4376530" cy="6018401"/>
+          </a:xfrm>
+          <a:custGeom>
+            <a:avLst/>
+            <a:gdLst>
+              <a:gd name="connsiteX0" fmla="*/ 1022042 w 4376530"/>
+              <a:gd name="connsiteY0" fmla="*/ 0 h 6018401"/>
+              <a:gd name="connsiteX1" fmla="*/ 4326419 w 4376530"/>
+              <a:gd name="connsiteY1" fmla="*/ 0 h 6018401"/>
+              <a:gd name="connsiteX2" fmla="*/ 4374794 w 4376530"/>
+              <a:gd name="connsiteY2" fmla="*/ 46177 h 6018401"/>
+              <a:gd name="connsiteX3" fmla="*/ 4376530 w 4376530"/>
+              <a:gd name="connsiteY3" fmla="*/ 48166 h 6018401"/>
+              <a:gd name="connsiteX4" fmla="*/ 4376530 w 4376530"/>
+              <a:gd name="connsiteY4" fmla="*/ 5243073 h 6018401"/>
+              <a:gd name="connsiteX5" fmla="*/ 4234907 w 4376530"/>
+              <a:gd name="connsiteY5" fmla="*/ 5384674 h 6018401"/>
+              <a:gd name="connsiteX6" fmla="*/ 2811527 w 4376530"/>
+              <a:gd name="connsiteY6" fmla="*/ 6014016 h 6018401"/>
+              <a:gd name="connsiteX7" fmla="*/ 2673962 w 4376530"/>
+              <a:gd name="connsiteY7" fmla="*/ 6018401 h 6018401"/>
+              <a:gd name="connsiteX8" fmla="*/ 2673892 w 4376530"/>
+              <a:gd name="connsiteY8" fmla="*/ 6018401 h 6018401"/>
+              <a:gd name="connsiteX9" fmla="*/ 2536327 w 4376530"/>
+              <a:gd name="connsiteY9" fmla="*/ 6014016 h 6018401"/>
+              <a:gd name="connsiteX10" fmla="*/ 0 w 4376530"/>
+              <a:gd name="connsiteY10" fmla="*/ 2647403 h 6018401"/>
+              <a:gd name="connsiteX11" fmla="*/ 973061 w 4376530"/>
+              <a:gd name="connsiteY11" fmla="*/ 46176 h 6018401"/>
+            </a:gdLst>
+            <a:ahLst/>
+            <a:cxnLst>
+              <a:cxn ang="0">
+                <a:pos x="connsiteX0" y="connsiteY0"/>
+              </a:cxn>
+              <a:cxn ang="0">
+                <a:pos x="connsiteX1" y="connsiteY1"/>
+              </a:cxn>
+              <a:cxn ang="0">
+                <a:pos x="connsiteX2" y="connsiteY2"/>
+              </a:cxn>
+              <a:cxn ang="0">
+                <a:pos x="connsiteX3" y="connsiteY3"/>
+              </a:cxn>
+              <a:cxn ang="0">
+                <a:pos x="connsiteX4" y="connsiteY4"/>
+              </a:cxn>
+              <a:cxn ang="0">
+                <a:pos x="connsiteX5" y="connsiteY5"/>
+              </a:cxn>
+              <a:cxn ang="0">
+                <a:pos x="connsiteX6" y="connsiteY6"/>
+              </a:cxn>
+              <a:cxn ang="0">
+                <a:pos x="connsiteX7" y="connsiteY7"/>
+              </a:cxn>
+              <a:cxn ang="0">
+                <a:pos x="connsiteX8" y="connsiteY8"/>
+              </a:cxn>
+              <a:cxn ang="0">
+                <a:pos x="connsiteX9" y="connsiteY9"/>
+              </a:cxn>
+              <a:cxn ang="0">
+                <a:pos x="connsiteX10" y="connsiteY10"/>
+              </a:cxn>
+              <a:cxn ang="0">
+                <a:pos x="connsiteX11" y="connsiteY11"/>
+              </a:cxn>
+            </a:cxnLst>
+            <a:rect l="l" t="t" r="r" b="b"/>
+            <a:pathLst>
+              <a:path w="4376530" h="6018401">
+                <a:moveTo>
+                  <a:pt x="1022042" y="0"/>
+                </a:moveTo>
+                <a:lnTo>
+                  <a:pt x="4326419" y="0"/>
+                </a:lnTo>
+                <a:lnTo>
+                  <a:pt x="4374794" y="46177"/>
+                </a:lnTo>
+                <a:lnTo>
+                  <a:pt x="4376530" y="48166"/>
+                </a:lnTo>
+                <a:lnTo>
+                  <a:pt x="4376530" y="5243073"/>
+                </a:lnTo>
+                <a:lnTo>
+                  <a:pt x="4234907" y="5384674"/>
+                </a:lnTo>
+                <a:cubicBezTo>
+                  <a:pt x="3830459" y="5751892"/>
+                  <a:pt x="3341336" y="5980159"/>
+                  <a:pt x="2811527" y="6014016"/>
+                </a:cubicBezTo>
+                <a:lnTo>
+                  <a:pt x="2673962" y="6018401"/>
+                </a:lnTo>
+                <a:lnTo>
+                  <a:pt x="2673892" y="6018401"/>
+                </a:lnTo>
+                <a:lnTo>
+                  <a:pt x="2536327" y="6014016"/>
+                </a:lnTo>
+                <a:cubicBezTo>
+                  <a:pt x="1123504" y="5923730"/>
+                  <a:pt x="0" y="4450975"/>
+                  <a:pt x="0" y="2647403"/>
+                </a:cubicBezTo>
+                <a:cubicBezTo>
+                  <a:pt x="0" y="1600168"/>
+                  <a:pt x="378788" y="664467"/>
+                  <a:pt x="973061" y="46176"/>
+                </a:cubicBezTo>
+                <a:close/>
+              </a:path>
+            </a:pathLst>
+          </a:custGeom>
+          <a:solidFill>
+            <a:schemeClr val="bg2">
+              <a:lumMod val="75000"/>
+            </a:schemeClr>
+          </a:solidFill>
+        </p:spPr>
+        <p:txBody>
+          <a:bodyPr wrap="square" anchor="ctr">
+            <a:noAutofit/>
+          </a:bodyPr>
+          <a:lstStyle>
+            <a:lvl1pPr marL="0" indent="0" algn="ctr">
+              <a:buNone/>
+              <a:defRPr sz="3200"/>
+            </a:lvl1pPr>
+            <a:lvl2pPr marL="457200" indent="0">
+              <a:buNone/>
+              <a:defRPr sz="2800"/>
+            </a:lvl2pPr>
+            <a:lvl3pPr marL="914400" indent="0">
+              <a:buNone/>
+              <a:defRPr sz="2400"/>
+            </a:lvl3pPr>
+            <a:lvl4pPr marL="1371600" indent="0">
+              <a:buNone/>
+              <a:defRPr sz="2000"/>
+            </a:lvl4pPr>
+            <a:lvl5pPr marL="1828800" indent="0">
+              <a:buNone/>
+              <a:defRPr sz="2000"/>
+            </a:lvl5pPr>
+            <a:lvl6pPr marL="2286000" indent="0">
+              <a:buNone/>
+              <a:defRPr sz="2000"/>
+            </a:lvl6pPr>
+            <a:lvl7pPr marL="2743200" indent="0">
+              <a:buNone/>
+              <a:defRPr sz="2000"/>
+            </a:lvl7pPr>
+            <a:lvl8pPr marL="3200400" indent="0">
+              <a:buNone/>
+              <a:defRPr sz="2000"/>
+            </a:lvl8pPr>
+            <a:lvl9pPr marL="3657600" indent="0">
+              <a:buNone/>
+              <a:defRPr sz="2000"/>
+            </a:lvl9pPr>
+          </a:lstStyle>
+          <a:p>
+            <a:endParaRPr lang="en-US" dirty="0"/>
+          </a:p>
+        </p:txBody>
+      </p:sp>
+      <p:sp>
+        <p:nvSpPr>
+          <p:cNvPr id="5" name="Date Placeholder 4">
+            <a:extLst>
+              <a:ext uri="{FF2B5EF4-FFF2-40B4-BE49-F238E27FC236}">
+                <a16:creationId xmlns:a16="http://schemas.microsoft.com/office/drawing/2014/main" id="{E6FD7452-E3B6-7579-A363-62FAAFA8C251}"/>
+              </a:ext>
+            </a:extLst>
+          </p:cNvPr>
+          <p:cNvSpPr>
+            <a:spLocks noGrp="1"/>
+          </p:cNvSpPr>
+          <p:nvPr>
+            <p:ph type="dt" sz="half" idx="10"/>
+          </p:nvPr>
+        </p:nvSpPr>
+        <p:spPr/>
+        <p:txBody>
+          <a:bodyPr/>
+          <a:lstStyle/>
+          <a:p>
+            <a:r>
+              <a:rPr lang="en-US" dirty="0"/>
+              <a:t>20XX</a:t>
+            </a:r>
+          </a:p>
+        </p:txBody>
+      </p:sp>
+      <p:sp>
+        <p:nvSpPr>
+          <p:cNvPr id="6" name="Footer Placeholder 5">
+            <a:extLst>
+              <a:ext uri="{FF2B5EF4-FFF2-40B4-BE49-F238E27FC236}">
+                <a16:creationId xmlns:a16="http://schemas.microsoft.com/office/drawing/2014/main" id="{2B98FAD9-245A-0174-9BD4-2B8E8A4A5B01}"/>
+              </a:ext>
+            </a:extLst>
+          </p:cNvPr>
+          <p:cNvSpPr>
+            <a:spLocks noGrp="1"/>
+          </p:cNvSpPr>
+          <p:nvPr>
+            <p:ph type="ftr" sz="quarter" idx="11"/>
+          </p:nvPr>
+        </p:nvSpPr>
+        <p:spPr/>
+        <p:txBody>
+          <a:bodyPr/>
+          <a:lstStyle/>
+          <a:p>
+            <a:r>
+              <a:rPr lang="en-US" dirty="0"/>
+              <a:t>presentation title</a:t>
+            </a:r>
+          </a:p>
+        </p:txBody>
+      </p:sp>
+      <p:sp>
+        <p:nvSpPr>
+          <p:cNvPr id="7" name="Slide Number Placeholder 6">
+            <a:extLst>
+              <a:ext uri="{FF2B5EF4-FFF2-40B4-BE49-F238E27FC236}">
+                <a16:creationId xmlns:a16="http://schemas.microsoft.com/office/drawing/2014/main" id="{43ECF68C-6FDB-D274-7021-666310B3ED0B}"/>
+              </a:ext>
+            </a:extLst>
+          </p:cNvPr>
+          <p:cNvSpPr>
+            <a:spLocks noGrp="1"/>
+          </p:cNvSpPr>
+          <p:nvPr>
+            <p:ph type="sldNum" sz="quarter" idx="12"/>
+          </p:nvPr>
+        </p:nvSpPr>
+        <p:spPr/>
+        <p:txBody>
+          <a:bodyPr/>
+          <a:lstStyle/>
+          <a:p>
+            <a:fld id="{58FB4751-880F-D840-AAA9-3A15815CC996}" type="slidenum">
+              <a:rPr lang="en-US" smtClean="0"/>
+              <a:t>‹#›</a:t>
+            </a:fld>
+            <a:endParaRPr lang="en-US" dirty="0"/>
+          </a:p>
+        </p:txBody>
+      </p:sp>
+    </p:spTree>
+    <p:extLst>
+      <p:ext uri="{BB962C8B-B14F-4D97-AF65-F5344CB8AC3E}">
+        <p14:creationId xmlns:p14="http://schemas.microsoft.com/office/powerpoint/2010/main" val="3920489370"/>
+      </p:ext>
+    </p:extLst>
+  </p:cSld>
+  <p:clrMapOvr>
+    <a:masterClrMapping/>
+  </p:clrMapOvr>
+</p:sldLayout>
+</file>
+
+<file path=ppt/slideLayouts/slideLayout15.xml><?xml version="1.0" encoding="utf-8"?>
+<p:sldLayout xmlns:a="http://schemas.openxmlformats.org/drawingml/2006/main" xmlns:r="http://schemas.openxmlformats.org/officeDocument/2006/relationships" xmlns:p="http://schemas.openxmlformats.org/presentationml/2006/main" preserve="1" userDrawn="1">
   <p:cSld name="Team x4">
     <p:spTree>
       <p:nvGrpSpPr>
@@ -15116,7 +15739,7 @@
 </p:sldLayout>
 </file>
 
-<file path=ppt/slideLayouts/slideLayout15.xml><?xml version="1.0" encoding="utf-8"?>
+<file path=ppt/slideLayouts/slideLayout16.xml><?xml version="1.0" encoding="utf-8"?>
 <p:sldLayout xmlns:a="http://schemas.openxmlformats.org/drawingml/2006/main" xmlns:r="http://schemas.openxmlformats.org/officeDocument/2006/relationships" xmlns:p="http://schemas.openxmlformats.org/presentationml/2006/main" showMasterSp="0" preserve="1" userDrawn="1">
   <p:cSld name="Team x8">
     <p:spTree>
@@ -17112,7 +17735,7 @@
 </p:sldLayout>
 </file>
 
-<file path=ppt/slideLayouts/slideLayout16.xml><?xml version="1.0" encoding="utf-8"?>
+<file path=ppt/slideLayouts/slideLayout17.xml><?xml version="1.0" encoding="utf-8"?>
 <p:sldLayout xmlns:a="http://schemas.openxmlformats.org/drawingml/2006/main" xmlns:r="http://schemas.openxmlformats.org/officeDocument/2006/relationships" xmlns:p="http://schemas.openxmlformats.org/presentationml/2006/main" showMasterSp="0" preserve="1" userDrawn="1">
   <p:cSld name="Timeline">
     <p:spTree>
@@ -20117,7 +20740,7 @@
 </p:sldLayout>
 </file>
 
-<file path=ppt/slideLayouts/slideLayout17.xml><?xml version="1.0" encoding="utf-8"?>
+<file path=ppt/slideLayouts/slideLayout18.xml><?xml version="1.0" encoding="utf-8"?>
 <p:sldLayout xmlns:a="http://schemas.openxmlformats.org/drawingml/2006/main" xmlns:r="http://schemas.openxmlformats.org/officeDocument/2006/relationships" xmlns:p="http://schemas.openxmlformats.org/presentationml/2006/main" showMasterSp="0" preserve="1" userDrawn="1">
   <p:cSld name="Three Column">
     <p:bg>
@@ -21252,7 +21875,7 @@
 </p:sldLayout>
 </file>
 
-<file path=ppt/slideLayouts/slideLayout18.xml><?xml version="1.0" encoding="utf-8"?>
+<file path=ppt/slideLayouts/slideLayout19.xml><?xml version="1.0" encoding="utf-8"?>
 <p:sldLayout xmlns:a="http://schemas.openxmlformats.org/drawingml/2006/main" xmlns:r="http://schemas.openxmlformats.org/officeDocument/2006/relationships" xmlns:p="http://schemas.openxmlformats.org/presentationml/2006/main" preserve="1" userDrawn="1">
   <p:cSld name="Picture with Caption alt">
     <p:bg>
@@ -22711,7 +23334,7 @@
             <a:spLocks noGrp="1"/>
           </p:cNvSpPr>
           <p:nvPr>
-            <p:ph type="title" hasCustomPrompt="1"/>
+            <p:ph type="title"/>
           </p:nvPr>
         </p:nvSpPr>
         <p:spPr>
@@ -22728,10 +23351,7 @@
             </a:lvl1pPr>
           </a:lstStyle>
           <a:p>
-            <a:r>
-              <a:rPr lang="en-US" dirty="0"/>
-              <a:t>click to edit master title style	</a:t>
-            </a:r>
+            <a:endParaRPr lang="en-US" dirty="0"/>
           </a:p>
         </p:txBody>
       </p:sp>
@@ -22762,38 +23382,7 @@
           <a:lstStyle/>
           <a:p>
             <a:pPr lvl="0"/>
-            <a:r>
-              <a:rPr lang="en-US"/>
-              <a:t>Click to edit Master text styles</a:t>
-            </a:r>
-          </a:p>
-          <a:p>
-            <a:pPr lvl="1"/>
-            <a:r>
-              <a:rPr lang="en-US"/>
-              <a:t>Second level</a:t>
-            </a:r>
-          </a:p>
-          <a:p>
-            <a:pPr lvl="2"/>
-            <a:r>
-              <a:rPr lang="en-US"/>
-              <a:t>Third level</a:t>
-            </a:r>
-          </a:p>
-          <a:p>
-            <a:pPr lvl="3"/>
-            <a:r>
-              <a:rPr lang="en-US"/>
-              <a:t>Fourth level</a:t>
-            </a:r>
-          </a:p>
-          <a:p>
-            <a:pPr lvl="4"/>
-            <a:r>
-              <a:rPr lang="en-US"/>
-              <a:t>Fifth level</a:t>
-            </a:r>
+            <a:endParaRPr lang="en-US" dirty="0"/>
           </a:p>
         </p:txBody>
       </p:sp>
@@ -23090,7 +23679,7 @@
             <a:spLocks noGrp="1"/>
           </p:cNvSpPr>
           <p:nvPr>
-            <p:ph type="title" hasCustomPrompt="1"/>
+            <p:ph type="title"/>
           </p:nvPr>
         </p:nvSpPr>
         <p:spPr>
@@ -23111,10 +23700,7 @@
             </a:lvl1pPr>
           </a:lstStyle>
           <a:p>
-            <a:r>
-              <a:rPr lang="en-US" dirty="0"/>
-              <a:t>click to edit master title style</a:t>
-            </a:r>
+            <a:endParaRPr lang="en-US" dirty="0"/>
           </a:p>
         </p:txBody>
       </p:sp>
@@ -23234,10 +23820,7 @@
           </a:lstStyle>
           <a:p>
             <a:pPr lvl="0"/>
-            <a:r>
-              <a:rPr lang="en-US"/>
-              <a:t>Click to edit Master text styles</a:t>
-            </a:r>
+            <a:endParaRPr lang="en-US" dirty="0"/>
           </a:p>
         </p:txBody>
       </p:sp>
@@ -26124,38 +26707,7 @@
           <a:lstStyle/>
           <a:p>
             <a:pPr lvl="0"/>
-            <a:r>
-              <a:rPr lang="en-US"/>
-              <a:t>Click to edit Master text styles</a:t>
-            </a:r>
-          </a:p>
-          <a:p>
-            <a:pPr lvl="1"/>
-            <a:r>
-              <a:rPr lang="en-US"/>
-              <a:t>Second level</a:t>
-            </a:r>
-          </a:p>
-          <a:p>
-            <a:pPr lvl="2"/>
-            <a:r>
-              <a:rPr lang="en-US"/>
-              <a:t>Third level</a:t>
-            </a:r>
-          </a:p>
-          <a:p>
-            <a:pPr lvl="3"/>
-            <a:r>
-              <a:rPr lang="en-US"/>
-              <a:t>Fourth level</a:t>
-            </a:r>
-          </a:p>
-          <a:p>
-            <a:pPr lvl="4"/>
-            <a:r>
-              <a:rPr lang="en-US"/>
-              <a:t>Fifth level</a:t>
-            </a:r>
+            <a:endParaRPr lang="en-US" dirty="0"/>
           </a:p>
         </p:txBody>
       </p:sp>
@@ -26186,38 +26738,7 @@
           <a:lstStyle/>
           <a:p>
             <a:pPr lvl="0"/>
-            <a:r>
-              <a:rPr lang="en-US"/>
-              <a:t>Click to edit Master text styles</a:t>
-            </a:r>
-          </a:p>
-          <a:p>
-            <a:pPr lvl="1"/>
-            <a:r>
-              <a:rPr lang="en-US"/>
-              <a:t>Second level</a:t>
-            </a:r>
-          </a:p>
-          <a:p>
-            <a:pPr lvl="2"/>
-            <a:r>
-              <a:rPr lang="en-US"/>
-              <a:t>Third level</a:t>
-            </a:r>
-          </a:p>
-          <a:p>
-            <a:pPr lvl="3"/>
-            <a:r>
-              <a:rPr lang="en-US"/>
-              <a:t>Fourth level</a:t>
-            </a:r>
-          </a:p>
-          <a:p>
-            <a:pPr lvl="4"/>
-            <a:r>
-              <a:rPr lang="en-US"/>
-              <a:t>Fifth level</a:t>
-            </a:r>
+            <a:endParaRPr lang="en-US" dirty="0"/>
           </a:p>
         </p:txBody>
       </p:sp>
@@ -28349,7 +28870,7 @@
             <a:spLocks noGrp="1"/>
           </p:cNvSpPr>
           <p:nvPr>
-            <p:ph type="title" hasCustomPrompt="1"/>
+            <p:ph type="title"/>
           </p:nvPr>
         </p:nvSpPr>
         <p:spPr>
@@ -28366,10 +28887,7 @@
             </a:lvl1pPr>
           </a:lstStyle>
           <a:p>
-            <a:r>
-              <a:rPr lang="en-US" dirty="0"/>
-              <a:t>click to edit master title style</a:t>
-            </a:r>
+            <a:endParaRPr lang="en-US" dirty="0"/>
           </a:p>
         </p:txBody>
       </p:sp>
@@ -28769,38 +29287,6 @@
           </a:lstStyle>
           <a:p>
             <a:pPr lvl="0"/>
-            <a:r>
-              <a:rPr lang="en-US"/>
-              <a:t>Click to edit Master text styles</a:t>
-            </a:r>
-          </a:p>
-          <a:p>
-            <a:pPr lvl="1"/>
-            <a:r>
-              <a:rPr lang="en-US"/>
-              <a:t>Second level</a:t>
-            </a:r>
-          </a:p>
-          <a:p>
-            <a:pPr lvl="2"/>
-            <a:r>
-              <a:rPr lang="en-US"/>
-              <a:t>Third level</a:t>
-            </a:r>
-          </a:p>
-          <a:p>
-            <a:pPr lvl="3"/>
-            <a:r>
-              <a:rPr lang="en-US"/>
-              <a:t>Fourth level</a:t>
-            </a:r>
-          </a:p>
-          <a:p>
-            <a:pPr lvl="4"/>
-            <a:r>
-              <a:rPr lang="en-US"/>
-              <a:t>Fifth level</a:t>
-            </a:r>
             <a:endParaRPr lang="en-US" dirty="0"/>
           </a:p>
         </p:txBody>
@@ -32076,10 +32562,7 @@
           </a:lstStyle>
           <a:p>
             <a:pPr lvl="0"/>
-            <a:r>
-              <a:rPr lang="en-US"/>
-              <a:t>Click to edit Master text styles</a:t>
-            </a:r>
+            <a:endParaRPr lang="en-US" dirty="0"/>
           </a:p>
         </p:txBody>
       </p:sp>
@@ -32154,10 +32637,7 @@
           </a:lstStyle>
           <a:p>
             <a:pPr lvl="0"/>
-            <a:r>
-              <a:rPr lang="en-US"/>
-              <a:t>Click to edit Master text styles</a:t>
-            </a:r>
+            <a:endParaRPr lang="en-US" dirty="0"/>
           </a:p>
         </p:txBody>
       </p:sp>
@@ -32258,38 +32738,6 @@
           </a:lstStyle>
           <a:p>
             <a:pPr lvl="0"/>
-            <a:r>
-              <a:rPr lang="en-US"/>
-              <a:t>Click to edit Master text styles</a:t>
-            </a:r>
-          </a:p>
-          <a:p>
-            <a:pPr lvl="1"/>
-            <a:r>
-              <a:rPr lang="en-US"/>
-              <a:t>Second level</a:t>
-            </a:r>
-          </a:p>
-          <a:p>
-            <a:pPr lvl="2"/>
-            <a:r>
-              <a:rPr lang="en-US"/>
-              <a:t>Third level</a:t>
-            </a:r>
-          </a:p>
-          <a:p>
-            <a:pPr lvl="3"/>
-            <a:r>
-              <a:rPr lang="en-US"/>
-              <a:t>Fourth level</a:t>
-            </a:r>
-          </a:p>
-          <a:p>
-            <a:pPr lvl="4"/>
-            <a:r>
-              <a:rPr lang="en-US"/>
-              <a:t>Fifth level</a:t>
-            </a:r>
             <a:endParaRPr lang="en-US" dirty="0"/>
           </a:p>
         </p:txBody>
@@ -32307,7 +32755,7 @@
             <a:spLocks noGrp="1"/>
           </p:cNvSpPr>
           <p:nvPr>
-            <p:ph type="title" hasCustomPrompt="1"/>
+            <p:ph type="title"/>
           </p:nvPr>
         </p:nvSpPr>
         <p:spPr>
@@ -32328,10 +32776,7 @@
             </a:lvl1pPr>
           </a:lstStyle>
           <a:p>
-            <a:r>
-              <a:rPr lang="en-US" dirty="0"/>
-              <a:t>click to edit master title style	</a:t>
-            </a:r>
+            <a:endParaRPr lang="en-US" dirty="0"/>
           </a:p>
         </p:txBody>
       </p:sp>
@@ -32610,7 +33055,7 @@
             <a:spLocks noGrp="1"/>
           </p:cNvSpPr>
           <p:nvPr>
-            <p:ph type="ctrTitle" hasCustomPrompt="1"/>
+            <p:ph type="ctrTitle"/>
           </p:nvPr>
         </p:nvSpPr>
         <p:spPr>
@@ -32627,10 +33072,7 @@
             </a:lvl1pPr>
           </a:lstStyle>
           <a:p>
-            <a:r>
-              <a:rPr lang="en-US" dirty="0"/>
-              <a:t>click to edit master title style</a:t>
-            </a:r>
+            <a:endParaRPr lang="en-US" dirty="0"/>
           </a:p>
         </p:txBody>
       </p:sp>
@@ -32701,10 +33143,6 @@
             </a:lvl9pPr>
           </a:lstStyle>
           <a:p>
-            <a:r>
-              <a:rPr lang="en-US"/>
-              <a:t>Click to edit Master subtitle style</a:t>
-            </a:r>
             <a:endParaRPr lang="en-US" dirty="0"/>
           </a:p>
         </p:txBody>
@@ -36517,7 +36955,7 @@
             <a:spLocks noGrp="1"/>
           </p:cNvSpPr>
           <p:nvPr>
-            <p:ph type="title" hasCustomPrompt="1"/>
+            <p:ph type="title"/>
           </p:nvPr>
         </p:nvSpPr>
         <p:spPr>
@@ -36534,10 +36972,7 @@
             </a:lvl1pPr>
           </a:lstStyle>
           <a:p>
-            <a:r>
-              <a:rPr lang="en-US" dirty="0"/>
-              <a:t>click to edit master title style</a:t>
-            </a:r>
+            <a:endParaRPr lang="en-US" dirty="0"/>
           </a:p>
         </p:txBody>
       </p:sp>
@@ -38614,7 +39049,7 @@
             <a:spLocks noGrp="1"/>
           </p:cNvSpPr>
           <p:nvPr>
-            <p:ph type="title" hasCustomPrompt="1"/>
+            <p:ph type="title"/>
           </p:nvPr>
         </p:nvSpPr>
         <p:spPr>
@@ -38624,17 +39059,16 @@
           </a:xfrm>
         </p:spPr>
         <p:txBody>
-          <a:bodyPr anchor="b"/>
+          <a:bodyPr anchor="b">
+            <a:normAutofit/>
+          </a:bodyPr>
           <a:lstStyle>
             <a:lvl1pPr>
-              <a:defRPr sz="3200"/>
+              <a:defRPr sz="3600"/>
             </a:lvl1pPr>
           </a:lstStyle>
           <a:p>
-            <a:r>
-              <a:rPr lang="en-US" dirty="0"/>
-              <a:t>click to edit master title style</a:t>
-            </a:r>
+            <a:endParaRPr lang="en-US" dirty="0"/>
           </a:p>
         </p:txBody>
       </p:sp>
@@ -38693,38 +39127,7 @@
           </a:lstStyle>
           <a:p>
             <a:pPr lvl="0"/>
-            <a:r>
-              <a:rPr lang="en-US"/>
-              <a:t>Click to edit Master text styles</a:t>
-            </a:r>
-          </a:p>
-          <a:p>
-            <a:pPr lvl="1"/>
-            <a:r>
-              <a:rPr lang="en-US"/>
-              <a:t>Second level</a:t>
-            </a:r>
-          </a:p>
-          <a:p>
-            <a:pPr lvl="2"/>
-            <a:r>
-              <a:rPr lang="en-US"/>
-              <a:t>Third level</a:t>
-            </a:r>
-          </a:p>
-          <a:p>
-            <a:pPr lvl="3"/>
-            <a:r>
-              <a:rPr lang="en-US"/>
-              <a:t>Fourth level</a:t>
-            </a:r>
-          </a:p>
-          <a:p>
-            <a:pPr lvl="4"/>
-            <a:r>
-              <a:rPr lang="en-US"/>
-              <a:t>Fifth level</a:t>
-            </a:r>
+            <a:endParaRPr lang="en-US" dirty="0"/>
           </a:p>
         </p:txBody>
       </p:sp>
@@ -38792,10 +39195,7 @@
           </a:lstStyle>
           <a:p>
             <a:pPr lvl="0"/>
-            <a:r>
-              <a:rPr lang="en-US"/>
-              <a:t>Click to edit Master text styles</a:t>
-            </a:r>
+            <a:endParaRPr lang="en-US" dirty="0"/>
           </a:p>
         </p:txBody>
       </p:sp>
@@ -38899,7 +39299,7 @@
 
 <file path=ppt/slideLayouts/slideLayout9.xml><?xml version="1.0" encoding="utf-8"?>
 <p:sldLayout xmlns:a="http://schemas.openxmlformats.org/drawingml/2006/main" xmlns:r="http://schemas.openxmlformats.org/officeDocument/2006/relationships" xmlns:p="http://schemas.openxmlformats.org/presentationml/2006/main" preserve="1" userDrawn="1">
-  <p:cSld name="Picture with Caption">
+  <p:cSld name="1_Picture with Caption">
     <p:bg>
       <p:bgPr>
         <a:solidFill>
@@ -38935,7 +39335,7 @@
             <a:spLocks noGrp="1"/>
           </p:cNvSpPr>
           <p:nvPr>
-            <p:ph type="title" hasCustomPrompt="1"/>
+            <p:ph type="title"/>
           </p:nvPr>
         </p:nvSpPr>
         <p:spPr>
@@ -38945,17 +39345,16 @@
           </a:xfrm>
         </p:spPr>
         <p:txBody>
-          <a:bodyPr anchor="b"/>
+          <a:bodyPr anchor="b">
+            <a:noAutofit/>
+          </a:bodyPr>
           <a:lstStyle>
             <a:lvl1pPr>
-              <a:defRPr sz="4800"/>
+              <a:defRPr sz="3600"/>
             </a:lvl1pPr>
           </a:lstStyle>
           <a:p>
-            <a:r>
-              <a:rPr lang="en-US" dirty="0"/>
-              <a:t>click to edit master title style</a:t>
-            </a:r>
+            <a:endParaRPr lang="en-US" dirty="0"/>
           </a:p>
         </p:txBody>
       </p:sp>
@@ -38978,22 +39377,23 @@
         <p:spPr>
           <a:xfrm>
             <a:off x="576071" y="1693658"/>
-            <a:ext cx="4572000" cy="4070729"/>
+            <a:ext cx="4823242" cy="4070729"/>
           </a:xfrm>
         </p:spPr>
         <p:txBody>
-          <a:bodyPr>
+          <a:bodyPr wrap="square">
             <a:normAutofit/>
           </a:bodyPr>
           <a:lstStyle>
-            <a:lvl1pPr marL="0" indent="0">
+            <a:lvl1pPr marL="342900" indent="-342900">
               <a:lnSpc>
                 <a:spcPct val="100000"/>
               </a:lnSpc>
               <a:spcBef>
                 <a:spcPts val="0"/>
               </a:spcBef>
-              <a:buNone/>
+              <a:buFont typeface="Arial" panose="020B0604020202020204" pitchFamily="34" charset="0"/>
+              <a:buChar char="•"/>
               <a:defRPr sz="2400"/>
             </a:lvl1pPr>
             <a:lvl2pPr marL="457200" indent="0">
@@ -39031,10 +39431,7 @@
           </a:lstStyle>
           <a:p>
             <a:pPr lvl="0"/>
-            <a:r>
-              <a:rPr lang="en-US" dirty="0"/>
-              <a:t>Click to edit Master text styles</a:t>
-            </a:r>
+            <a:endParaRPr lang="en-US" dirty="0"/>
           </a:p>
         </p:txBody>
       </p:sp>
@@ -39295,130 +39692,15 @@
         </p:nvSpPr>
         <p:spPr>
           <a:xfrm>
-            <a:off x="7815470" y="0"/>
-            <a:ext cx="4376530" cy="6018401"/>
+            <a:off x="6096000" y="1693658"/>
+            <a:ext cx="5519929" cy="4070729"/>
           </a:xfrm>
-          <a:custGeom>
-            <a:avLst/>
-            <a:gdLst>
-              <a:gd name="connsiteX0" fmla="*/ 1022042 w 4376530"/>
-              <a:gd name="connsiteY0" fmla="*/ 0 h 6018401"/>
-              <a:gd name="connsiteX1" fmla="*/ 4326419 w 4376530"/>
-              <a:gd name="connsiteY1" fmla="*/ 0 h 6018401"/>
-              <a:gd name="connsiteX2" fmla="*/ 4374794 w 4376530"/>
-              <a:gd name="connsiteY2" fmla="*/ 46177 h 6018401"/>
-              <a:gd name="connsiteX3" fmla="*/ 4376530 w 4376530"/>
-              <a:gd name="connsiteY3" fmla="*/ 48166 h 6018401"/>
-              <a:gd name="connsiteX4" fmla="*/ 4376530 w 4376530"/>
-              <a:gd name="connsiteY4" fmla="*/ 5243073 h 6018401"/>
-              <a:gd name="connsiteX5" fmla="*/ 4234907 w 4376530"/>
-              <a:gd name="connsiteY5" fmla="*/ 5384674 h 6018401"/>
-              <a:gd name="connsiteX6" fmla="*/ 2811527 w 4376530"/>
-              <a:gd name="connsiteY6" fmla="*/ 6014016 h 6018401"/>
-              <a:gd name="connsiteX7" fmla="*/ 2673962 w 4376530"/>
-              <a:gd name="connsiteY7" fmla="*/ 6018401 h 6018401"/>
-              <a:gd name="connsiteX8" fmla="*/ 2673892 w 4376530"/>
-              <a:gd name="connsiteY8" fmla="*/ 6018401 h 6018401"/>
-              <a:gd name="connsiteX9" fmla="*/ 2536327 w 4376530"/>
-              <a:gd name="connsiteY9" fmla="*/ 6014016 h 6018401"/>
-              <a:gd name="connsiteX10" fmla="*/ 0 w 4376530"/>
-              <a:gd name="connsiteY10" fmla="*/ 2647403 h 6018401"/>
-              <a:gd name="connsiteX11" fmla="*/ 973061 w 4376530"/>
-              <a:gd name="connsiteY11" fmla="*/ 46176 h 6018401"/>
-            </a:gdLst>
-            <a:ahLst/>
-            <a:cxnLst>
-              <a:cxn ang="0">
-                <a:pos x="connsiteX0" y="connsiteY0"/>
-              </a:cxn>
-              <a:cxn ang="0">
-                <a:pos x="connsiteX1" y="connsiteY1"/>
-              </a:cxn>
-              <a:cxn ang="0">
-                <a:pos x="connsiteX2" y="connsiteY2"/>
-              </a:cxn>
-              <a:cxn ang="0">
-                <a:pos x="connsiteX3" y="connsiteY3"/>
-              </a:cxn>
-              <a:cxn ang="0">
-                <a:pos x="connsiteX4" y="connsiteY4"/>
-              </a:cxn>
-              <a:cxn ang="0">
-                <a:pos x="connsiteX5" y="connsiteY5"/>
-              </a:cxn>
-              <a:cxn ang="0">
-                <a:pos x="connsiteX6" y="connsiteY6"/>
-              </a:cxn>
-              <a:cxn ang="0">
-                <a:pos x="connsiteX7" y="connsiteY7"/>
-              </a:cxn>
-              <a:cxn ang="0">
-                <a:pos x="connsiteX8" y="connsiteY8"/>
-              </a:cxn>
-              <a:cxn ang="0">
-                <a:pos x="connsiteX9" y="connsiteY9"/>
-              </a:cxn>
-              <a:cxn ang="0">
-                <a:pos x="connsiteX10" y="connsiteY10"/>
-              </a:cxn>
-              <a:cxn ang="0">
-                <a:pos x="connsiteX11" y="connsiteY11"/>
-              </a:cxn>
-            </a:cxnLst>
-            <a:rect l="l" t="t" r="r" b="b"/>
-            <a:pathLst>
-              <a:path w="4376530" h="6018401">
-                <a:moveTo>
-                  <a:pt x="1022042" y="0"/>
-                </a:moveTo>
-                <a:lnTo>
-                  <a:pt x="4326419" y="0"/>
-                </a:lnTo>
-                <a:lnTo>
-                  <a:pt x="4374794" y="46177"/>
-                </a:lnTo>
-                <a:lnTo>
-                  <a:pt x="4376530" y="48166"/>
-                </a:lnTo>
-                <a:lnTo>
-                  <a:pt x="4376530" y="5243073"/>
-                </a:lnTo>
-                <a:lnTo>
-                  <a:pt x="4234907" y="5384674"/>
-                </a:lnTo>
-                <a:cubicBezTo>
-                  <a:pt x="3830459" y="5751892"/>
-                  <a:pt x="3341336" y="5980159"/>
-                  <a:pt x="2811527" y="6014016"/>
-                </a:cubicBezTo>
-                <a:lnTo>
-                  <a:pt x="2673962" y="6018401"/>
-                </a:lnTo>
-                <a:lnTo>
-                  <a:pt x="2673892" y="6018401"/>
-                </a:lnTo>
-                <a:lnTo>
-                  <a:pt x="2536327" y="6014016"/>
-                </a:lnTo>
-                <a:cubicBezTo>
-                  <a:pt x="1123504" y="5923730"/>
-                  <a:pt x="0" y="4450975"/>
-                  <a:pt x="0" y="2647403"/>
-                </a:cubicBezTo>
-                <a:cubicBezTo>
-                  <a:pt x="0" y="1600168"/>
-                  <a:pt x="378788" y="664467"/>
-                  <a:pt x="973061" y="46176"/>
-                </a:cubicBezTo>
-                <a:close/>
-              </a:path>
-            </a:pathLst>
-          </a:custGeom>
-          <a:solidFill>
-            <a:schemeClr val="bg2">
-              <a:lumMod val="75000"/>
-            </a:schemeClr>
-          </a:solidFill>
+          <a:prstGeom prst="roundRect">
+            <a:avLst>
+              <a:gd name="adj" fmla="val 6389"/>
+            </a:avLst>
+          </a:prstGeom>
+          <a:noFill/>
         </p:spPr>
         <p:txBody>
           <a:bodyPr wrap="square" anchor="ctr">
@@ -39463,10 +39745,6 @@
             </a:lvl9pPr>
           </a:lstStyle>
           <a:p>
-            <a:r>
-              <a:rPr lang="en-US"/>
-              <a:t>Click icon to add picture</a:t>
-            </a:r>
             <a:endParaRPr lang="en-US" dirty="0"/>
           </a:p>
         </p:txBody>
@@ -39559,7 +39837,7 @@
     </p:spTree>
     <p:extLst>
       <p:ext uri="{BB962C8B-B14F-4D97-AF65-F5344CB8AC3E}">
-        <p14:creationId xmlns:p14="http://schemas.microsoft.com/office/powerpoint/2010/main" val="3920489370"/>
+        <p14:creationId xmlns:p14="http://schemas.microsoft.com/office/powerpoint/2010/main" val="2534835860"/>
       </p:ext>
     </p:extLst>
   </p:cSld>
@@ -39621,14 +39899,10 @@
         </p:spPr>
         <p:txBody>
           <a:bodyPr vert="horz" lIns="91440" tIns="45720" rIns="91440" bIns="45720" rtlCol="0" anchor="ctr">
-            <a:noAutofit/>
+            <a:normAutofit/>
           </a:bodyPr>
           <a:lstStyle/>
           <a:p>
-            <a:r>
-              <a:rPr lang="en-US"/>
-              <a:t>Click to edit Master title style</a:t>
-            </a:r>
             <a:endParaRPr lang="en-US" dirty="0"/>
           </a:p>
         </p:txBody>
@@ -39665,38 +39939,7 @@
           <a:lstStyle/>
           <a:p>
             <a:pPr lvl="0"/>
-            <a:r>
-              <a:rPr lang="en-US"/>
-              <a:t>Click to edit Master text styles</a:t>
-            </a:r>
-          </a:p>
-          <a:p>
-            <a:pPr lvl="1"/>
-            <a:r>
-              <a:rPr lang="en-US"/>
-              <a:t>Second level</a:t>
-            </a:r>
-          </a:p>
-          <a:p>
-            <a:pPr lvl="2"/>
-            <a:r>
-              <a:rPr lang="en-US"/>
-              <a:t>Third level</a:t>
-            </a:r>
-          </a:p>
-          <a:p>
-            <a:pPr lvl="3"/>
-            <a:r>
-              <a:rPr lang="en-US"/>
-              <a:t>Fourth level</a:t>
-            </a:r>
-          </a:p>
-          <a:p>
-            <a:pPr lvl="4"/>
-            <a:r>
-              <a:rPr lang="en-US"/>
-              <a:t>Fifth level</a:t>
-            </a:r>
+            <a:endParaRPr lang="en-US" dirty="0"/>
           </a:p>
         </p:txBody>
       </p:sp>
@@ -39894,16 +40137,17 @@
     <p:sldLayoutId id="2147483666" r:id="rId6"/>
     <p:sldLayoutId id="2147483655" r:id="rId7"/>
     <p:sldLayoutId id="2147483656" r:id="rId8"/>
-    <p:sldLayoutId id="2147483657" r:id="rId9"/>
+    <p:sldLayoutId id="2147483668" r:id="rId9"/>
     <p:sldLayoutId id="2147483660" r:id="rId10"/>
     <p:sldLayoutId id="2147483658" r:id="rId11"/>
     <p:sldLayoutId id="2147483664" r:id="rId12"/>
     <p:sldLayoutId id="2147483661" r:id="rId13"/>
-    <p:sldLayoutId id="2147483662" r:id="rId14"/>
-    <p:sldLayoutId id="2147483663" r:id="rId15"/>
-    <p:sldLayoutId id="2147483654" r:id="rId16"/>
-    <p:sldLayoutId id="2147483667" r:id="rId17"/>
-    <p:sldLayoutId id="2147483665" r:id="rId18"/>
+    <p:sldLayoutId id="2147483657" r:id="rId14"/>
+    <p:sldLayoutId id="2147483662" r:id="rId15"/>
+    <p:sldLayoutId id="2147483663" r:id="rId16"/>
+    <p:sldLayoutId id="2147483654" r:id="rId17"/>
+    <p:sldLayoutId id="2147483667" r:id="rId18"/>
+    <p:sldLayoutId id="2147483665" r:id="rId19"/>
   </p:sldLayoutIdLst>
   <p:hf hdr="0"/>
   <p:txStyles>

--- a/bot/ai_generator/presentation_templates/Organic.pptx
+++ b/bot/ai_generator/presentation_templates/Organic.pptx
@@ -252,7 +252,7 @@
           <a:p>
             <a:fld id="{FD913024-4032-4B4F-8680-09D5E08EDB6E}" type="datetimeFigureOut">
               <a:rPr lang="en-US" smtClean="0"/>
-              <a:t>5/1/2023</a:t>
+              <a:t>5/3/2023</a:t>
             </a:fld>
             <a:endParaRPr lang="en-US" dirty="0"/>
           </a:p>
@@ -429,7 +429,7 @@
           <a:p>
             <a:fld id="{F2AE225E-43E0-7047-8ADB-DD9EBB41B4D0}" type="datetimeFigureOut">
               <a:rPr lang="en-US" noProof="0" smtClean="0"/>
-              <a:t>5/1/2023</a:t>
+              <a:t>5/3/2023</a:t>
             </a:fld>
             <a:endParaRPr lang="en-US" noProof="0" dirty="0"/>
           </a:p>
@@ -23339,8 +23339,8 @@
         </p:nvSpPr>
         <p:spPr>
           <a:xfrm>
-            <a:off x="576072" y="704088"/>
-            <a:ext cx="10515600" cy="676656"/>
+            <a:off x="1215136" y="665988"/>
+            <a:ext cx="9761728" cy="1197864"/>
           </a:xfrm>
         </p:spPr>
         <p:txBody>
@@ -23373,13 +23373,20 @@
         </p:nvSpPr>
         <p:spPr>
           <a:xfrm>
-            <a:off x="576072" y="1901952"/>
-            <a:ext cx="9363456" cy="3877056"/>
+            <a:off x="1215136" y="1863852"/>
+            <a:ext cx="9761728" cy="3877056"/>
           </a:xfrm>
         </p:spPr>
         <p:txBody>
-          <a:bodyPr/>
-          <a:lstStyle/>
+          <a:bodyPr>
+            <a:normAutofit/>
+          </a:bodyPr>
+          <a:lstStyle>
+            <a:lvl1pPr marL="0" indent="0">
+              <a:buNone/>
+              <a:defRPr sz="2400"/>
+            </a:lvl1pPr>
+          </a:lstStyle>
           <a:p>
             <a:pPr lvl="0"/>
             <a:endParaRPr lang="en-US" dirty="0"/>
@@ -23537,6 +23544,134 @@
       </p:grpSpPr>
       <p:sp>
         <p:nvSpPr>
+          <p:cNvPr id="13" name="Freeform: Shape 12">
+            <a:extLst>
+              <a:ext uri="{FF2B5EF4-FFF2-40B4-BE49-F238E27FC236}">
+                <a16:creationId xmlns:a16="http://schemas.microsoft.com/office/drawing/2014/main" id="{B560DF2B-C95A-F8F1-E64F-37BCABFF8014}"/>
+              </a:ext>
+            </a:extLst>
+          </p:cNvPr>
+          <p:cNvSpPr/>
+          <p:nvPr userDrawn="1"/>
+        </p:nvSpPr>
+        <p:spPr>
+          <a:xfrm>
+            <a:off x="5790280" y="0"/>
+            <a:ext cx="6401718" cy="6857999"/>
+          </a:xfrm>
+          <a:custGeom>
+            <a:avLst/>
+            <a:gdLst>
+              <a:gd name="connsiteX0" fmla="*/ 13164 w 6401718"/>
+              <a:gd name="connsiteY0" fmla="*/ 0 h 6857999"/>
+              <a:gd name="connsiteX1" fmla="*/ 6401718 w 6401718"/>
+              <a:gd name="connsiteY1" fmla="*/ 0 h 6857999"/>
+              <a:gd name="connsiteX2" fmla="*/ 6401718 w 6401718"/>
+              <a:gd name="connsiteY2" fmla="*/ 6857999 h 6857999"/>
+              <a:gd name="connsiteX3" fmla="*/ 4837168 w 6401718"/>
+              <a:gd name="connsiteY3" fmla="*/ 6857999 h 6857999"/>
+              <a:gd name="connsiteX4" fmla="*/ 4970284 w 6401718"/>
+              <a:gd name="connsiteY4" fmla="*/ 6566499 h 6857999"/>
+              <a:gd name="connsiteX5" fmla="*/ 5441996 w 6401718"/>
+              <a:gd name="connsiteY5" fmla="*/ 3607583 h 6857999"/>
+              <a:gd name="connsiteX6" fmla="*/ 333189 w 6401718"/>
+              <a:gd name="connsiteY6" fmla="*/ 1342399 h 6857999"/>
+              <a:gd name="connsiteX7" fmla="*/ 10627 w 6401718"/>
+              <a:gd name="connsiteY7" fmla="*/ 17156 h 6857999"/>
+            </a:gdLst>
+            <a:ahLst/>
+            <a:cxnLst>
+              <a:cxn ang="0">
+                <a:pos x="connsiteX0" y="connsiteY0"/>
+              </a:cxn>
+              <a:cxn ang="0">
+                <a:pos x="connsiteX1" y="connsiteY1"/>
+              </a:cxn>
+              <a:cxn ang="0">
+                <a:pos x="connsiteX2" y="connsiteY2"/>
+              </a:cxn>
+              <a:cxn ang="0">
+                <a:pos x="connsiteX3" y="connsiteY3"/>
+              </a:cxn>
+              <a:cxn ang="0">
+                <a:pos x="connsiteX4" y="connsiteY4"/>
+              </a:cxn>
+              <a:cxn ang="0">
+                <a:pos x="connsiteX5" y="connsiteY5"/>
+              </a:cxn>
+              <a:cxn ang="0">
+                <a:pos x="connsiteX6" y="connsiteY6"/>
+              </a:cxn>
+              <a:cxn ang="0">
+                <a:pos x="connsiteX7" y="connsiteY7"/>
+              </a:cxn>
+            </a:cxnLst>
+            <a:rect l="l" t="t" r="r" b="b"/>
+            <a:pathLst>
+              <a:path w="6401718" h="6857999">
+                <a:moveTo>
+                  <a:pt x="13164" y="0"/>
+                </a:moveTo>
+                <a:lnTo>
+                  <a:pt x="6401718" y="0"/>
+                </a:lnTo>
+                <a:lnTo>
+                  <a:pt x="6401718" y="6857999"/>
+                </a:lnTo>
+                <a:lnTo>
+                  <a:pt x="4837168" y="6857999"/>
+                </a:lnTo>
+                <a:lnTo>
+                  <a:pt x="4970284" y="6566499"/>
+                </a:lnTo>
+                <a:cubicBezTo>
+                  <a:pt x="5459272" y="5503700"/>
+                  <a:pt x="5952697" y="4415857"/>
+                  <a:pt x="5441996" y="3607583"/>
+                </a:cubicBezTo>
+                <a:cubicBezTo>
+                  <a:pt x="4534017" y="2170575"/>
+                  <a:pt x="1476973" y="3238952"/>
+                  <a:pt x="333189" y="1342399"/>
+                </a:cubicBezTo>
+                <a:cubicBezTo>
+                  <a:pt x="249159" y="1202652"/>
+                  <a:pt x="-60917" y="673160"/>
+                  <a:pt x="10627" y="17156"/>
+                </a:cubicBezTo>
+                <a:close/>
+              </a:path>
+            </a:pathLst>
+          </a:custGeom>
+          <a:solidFill>
+            <a:schemeClr val="accent4"/>
+          </a:solidFill>
+          <a:ln w="4525" cap="flat">
+            <a:noFill/>
+            <a:prstDash val="solid"/>
+            <a:miter/>
+          </a:ln>
+        </p:spPr>
+        <p:txBody>
+          <a:bodyPr rot="0" spcFirstLastPara="0" vertOverflow="overflow" horzOverflow="overflow" vert="horz" wrap="square" lIns="91440" tIns="45720" rIns="91440" bIns="45720" numCol="1" spcCol="0" rtlCol="0" fromWordArt="0" anchor="ctr" anchorCtr="0" forceAA="0" compatLnSpc="1">
+            <a:prstTxWarp prst="textNoShape">
+              <a:avLst/>
+            </a:prstTxWarp>
+            <a:noAutofit/>
+          </a:bodyPr>
+          <a:lstStyle/>
+          <a:p>
+            <a:pPr lvl="0"/>
+            <a:endParaRPr lang="en-US" dirty="0">
+              <a:solidFill>
+                <a:schemeClr val="tx1"/>
+              </a:solidFill>
+            </a:endParaRPr>
+          </a:p>
+        </p:txBody>
+      </p:sp>
+      <p:sp>
+        <p:nvSpPr>
           <p:cNvPr id="25" name="Freeform: Shape 24">
             <a:extLst>
               <a:ext uri="{FF2B5EF4-FFF2-40B4-BE49-F238E27FC236}">
@@ -23684,8 +23819,8 @@
         </p:nvSpPr>
         <p:spPr>
           <a:xfrm>
-            <a:off x="2560320" y="3078480"/>
-            <a:ext cx="4840641" cy="1773555"/>
+            <a:off x="2560320" y="2416941"/>
+            <a:ext cx="7071360" cy="2439035"/>
           </a:xfrm>
         </p:spPr>
         <p:txBody>
@@ -23722,8 +23857,8 @@
         </p:nvSpPr>
         <p:spPr>
           <a:xfrm>
-            <a:off x="2560320" y="4852035"/>
-            <a:ext cx="4840641" cy="551411"/>
+            <a:off x="2567800" y="4883381"/>
+            <a:ext cx="7071360" cy="551411"/>
           </a:xfrm>
         </p:spPr>
         <p:txBody>
@@ -26069,134 +26204,6 @@
             </a:schemeClr>
           </a:solidFill>
           <a:ln w="52715" cap="flat">
-            <a:noFill/>
-            <a:prstDash val="solid"/>
-            <a:miter/>
-          </a:ln>
-        </p:spPr>
-        <p:txBody>
-          <a:bodyPr rot="0" spcFirstLastPara="0" vertOverflow="overflow" horzOverflow="overflow" vert="horz" wrap="square" lIns="91440" tIns="45720" rIns="91440" bIns="45720" numCol="1" spcCol="0" rtlCol="0" fromWordArt="0" anchor="ctr" anchorCtr="0" forceAA="0" compatLnSpc="1">
-            <a:prstTxWarp prst="textNoShape">
-              <a:avLst/>
-            </a:prstTxWarp>
-            <a:noAutofit/>
-          </a:bodyPr>
-          <a:lstStyle/>
-          <a:p>
-            <a:pPr lvl="0"/>
-            <a:endParaRPr lang="en-US" dirty="0">
-              <a:solidFill>
-                <a:schemeClr val="tx1"/>
-              </a:solidFill>
-            </a:endParaRPr>
-          </a:p>
-        </p:txBody>
-      </p:sp>
-      <p:sp>
-        <p:nvSpPr>
-          <p:cNvPr id="13" name="Freeform: Shape 12">
-            <a:extLst>
-              <a:ext uri="{FF2B5EF4-FFF2-40B4-BE49-F238E27FC236}">
-                <a16:creationId xmlns:a16="http://schemas.microsoft.com/office/drawing/2014/main" id="{B560DF2B-C95A-F8F1-E64F-37BCABFF8014}"/>
-              </a:ext>
-            </a:extLst>
-          </p:cNvPr>
-          <p:cNvSpPr/>
-          <p:nvPr userDrawn="1"/>
-        </p:nvSpPr>
-        <p:spPr>
-          <a:xfrm>
-            <a:off x="5790280" y="0"/>
-            <a:ext cx="6401718" cy="6857999"/>
-          </a:xfrm>
-          <a:custGeom>
-            <a:avLst/>
-            <a:gdLst>
-              <a:gd name="connsiteX0" fmla="*/ 13164 w 6401718"/>
-              <a:gd name="connsiteY0" fmla="*/ 0 h 6857999"/>
-              <a:gd name="connsiteX1" fmla="*/ 6401718 w 6401718"/>
-              <a:gd name="connsiteY1" fmla="*/ 0 h 6857999"/>
-              <a:gd name="connsiteX2" fmla="*/ 6401718 w 6401718"/>
-              <a:gd name="connsiteY2" fmla="*/ 6857999 h 6857999"/>
-              <a:gd name="connsiteX3" fmla="*/ 4837168 w 6401718"/>
-              <a:gd name="connsiteY3" fmla="*/ 6857999 h 6857999"/>
-              <a:gd name="connsiteX4" fmla="*/ 4970284 w 6401718"/>
-              <a:gd name="connsiteY4" fmla="*/ 6566499 h 6857999"/>
-              <a:gd name="connsiteX5" fmla="*/ 5441996 w 6401718"/>
-              <a:gd name="connsiteY5" fmla="*/ 3607583 h 6857999"/>
-              <a:gd name="connsiteX6" fmla="*/ 333189 w 6401718"/>
-              <a:gd name="connsiteY6" fmla="*/ 1342399 h 6857999"/>
-              <a:gd name="connsiteX7" fmla="*/ 10627 w 6401718"/>
-              <a:gd name="connsiteY7" fmla="*/ 17156 h 6857999"/>
-            </a:gdLst>
-            <a:ahLst/>
-            <a:cxnLst>
-              <a:cxn ang="0">
-                <a:pos x="connsiteX0" y="connsiteY0"/>
-              </a:cxn>
-              <a:cxn ang="0">
-                <a:pos x="connsiteX1" y="connsiteY1"/>
-              </a:cxn>
-              <a:cxn ang="0">
-                <a:pos x="connsiteX2" y="connsiteY2"/>
-              </a:cxn>
-              <a:cxn ang="0">
-                <a:pos x="connsiteX3" y="connsiteY3"/>
-              </a:cxn>
-              <a:cxn ang="0">
-                <a:pos x="connsiteX4" y="connsiteY4"/>
-              </a:cxn>
-              <a:cxn ang="0">
-                <a:pos x="connsiteX5" y="connsiteY5"/>
-              </a:cxn>
-              <a:cxn ang="0">
-                <a:pos x="connsiteX6" y="connsiteY6"/>
-              </a:cxn>
-              <a:cxn ang="0">
-                <a:pos x="connsiteX7" y="connsiteY7"/>
-              </a:cxn>
-            </a:cxnLst>
-            <a:rect l="l" t="t" r="r" b="b"/>
-            <a:pathLst>
-              <a:path w="6401718" h="6857999">
-                <a:moveTo>
-                  <a:pt x="13164" y="0"/>
-                </a:moveTo>
-                <a:lnTo>
-                  <a:pt x="6401718" y="0"/>
-                </a:lnTo>
-                <a:lnTo>
-                  <a:pt x="6401718" y="6857999"/>
-                </a:lnTo>
-                <a:lnTo>
-                  <a:pt x="4837168" y="6857999"/>
-                </a:lnTo>
-                <a:lnTo>
-                  <a:pt x="4970284" y="6566499"/>
-                </a:lnTo>
-                <a:cubicBezTo>
-                  <a:pt x="5459272" y="5503700"/>
-                  <a:pt x="5952697" y="4415857"/>
-                  <a:pt x="5441996" y="3607583"/>
-                </a:cubicBezTo>
-                <a:cubicBezTo>
-                  <a:pt x="4534017" y="2170575"/>
-                  <a:pt x="1476973" y="3238952"/>
-                  <a:pt x="333189" y="1342399"/>
-                </a:cubicBezTo>
-                <a:cubicBezTo>
-                  <a:pt x="249159" y="1202652"/>
-                  <a:pt x="-60917" y="673160"/>
-                  <a:pt x="10627" y="17156"/>
-                </a:cubicBezTo>
-                <a:close/>
-              </a:path>
-            </a:pathLst>
-          </a:custGeom>
-          <a:solidFill>
-            <a:schemeClr val="accent4"/>
-          </a:solidFill>
-          <a:ln w="4525" cap="flat">
             <a:noFill/>
             <a:prstDash val="solid"/>
             <a:miter/>
@@ -39385,7 +39392,7 @@
             <a:normAutofit/>
           </a:bodyPr>
           <a:lstStyle>
-            <a:lvl1pPr marL="342900" indent="-342900">
+            <a:lvl1pPr marL="0" indent="0">
               <a:lnSpc>
                 <a:spcPct val="100000"/>
               </a:lnSpc>
@@ -39393,7 +39400,7 @@
                 <a:spcPts val="0"/>
               </a:spcBef>
               <a:buFont typeface="Arial" panose="020B0604020202020204" pitchFamily="34" charset="0"/>
-              <a:buChar char="•"/>
+              <a:buNone/>
               <a:defRPr sz="2400"/>
             </a:lvl1pPr>
             <a:lvl2pPr marL="457200" indent="0">
@@ -40496,7 +40503,7 @@
           <a:bodyPr/>
           <a:lstStyle/>
           <a:p>
-            <a:endParaRPr lang="ru-UA"/>
+            <a:endParaRPr lang="ru-UA" dirty="0"/>
           </a:p>
         </p:txBody>
       </p:sp>

--- a/bot/ai_generator/presentation_templates/Organic.pptx
+++ b/bot/ai_generator/presentation_templates/Organic.pptx
@@ -252,7 +252,7 @@
           <a:p>
             <a:fld id="{FD913024-4032-4B4F-8680-09D5E08EDB6E}" type="datetimeFigureOut">
               <a:rPr lang="en-US" smtClean="0"/>
-              <a:t>5/3/2023</a:t>
+              <a:t>5/5/2023</a:t>
             </a:fld>
             <a:endParaRPr lang="en-US" dirty="0"/>
           </a:p>
@@ -429,7 +429,7 @@
           <a:p>
             <a:fld id="{F2AE225E-43E0-7047-8ADB-DD9EBB41B4D0}" type="datetimeFigureOut">
               <a:rPr lang="en-US" noProof="0" smtClean="0"/>
-              <a:t>5/3/2023</a:t>
+              <a:t>5/5/2023</a:t>
             </a:fld>
             <a:endParaRPr lang="en-US" noProof="0" dirty="0"/>
           </a:p>
@@ -39699,8 +39699,8 @@
         </p:nvSpPr>
         <p:spPr>
           <a:xfrm>
-            <a:off x="6096000" y="1693658"/>
-            <a:ext cx="5519929" cy="4070729"/>
+            <a:off x="5981700" y="1828009"/>
+            <a:ext cx="5634229" cy="3201982"/>
           </a:xfrm>
           <a:prstGeom prst="roundRect">
             <a:avLst>
